--- a/TDD.pptx
+++ b/TDD.pptx
@@ -331,7 +331,7 @@
             <a:fld id="{1D8BD707-D9CF-40AE-B4C6-C98DA3205C09}" type="datetimeFigureOut">
               <a:rPr lang="en-US" smtClean="0"/>
               <a:pPr/>
-              <a:t>3/11/2018</a:t>
+              <a:t>3/25/2018</a:t>
             </a:fld>
             <a:endParaRPr lang="en-US"/>
           </a:p>
@@ -498,7 +498,7 @@
             <a:fld id="{1D8BD707-D9CF-40AE-B4C6-C98DA3205C09}" type="datetimeFigureOut">
               <a:rPr lang="en-US" smtClean="0"/>
               <a:pPr/>
-              <a:t>3/11/2018</a:t>
+              <a:t>3/25/2018</a:t>
             </a:fld>
             <a:endParaRPr lang="en-US"/>
           </a:p>
@@ -675,7 +675,7 @@
             <a:fld id="{1D8BD707-D9CF-40AE-B4C6-C98DA3205C09}" type="datetimeFigureOut">
               <a:rPr lang="en-US" smtClean="0"/>
               <a:pPr/>
-              <a:t>3/11/2018</a:t>
+              <a:t>3/25/2018</a:t>
             </a:fld>
             <a:endParaRPr lang="en-US"/>
           </a:p>
@@ -842,7 +842,7 @@
             <a:fld id="{1D8BD707-D9CF-40AE-B4C6-C98DA3205C09}" type="datetimeFigureOut">
               <a:rPr lang="en-US" smtClean="0"/>
               <a:pPr/>
-              <a:t>3/11/2018</a:t>
+              <a:t>3/25/2018</a:t>
             </a:fld>
             <a:endParaRPr lang="en-US"/>
           </a:p>
@@ -1085,7 +1085,7 @@
             <a:fld id="{1D8BD707-D9CF-40AE-B4C6-C98DA3205C09}" type="datetimeFigureOut">
               <a:rPr lang="en-US" smtClean="0"/>
               <a:pPr/>
-              <a:t>3/11/2018</a:t>
+              <a:t>3/25/2018</a:t>
             </a:fld>
             <a:endParaRPr lang="en-US"/>
           </a:p>
@@ -1370,7 +1370,7 @@
             <a:fld id="{1D8BD707-D9CF-40AE-B4C6-C98DA3205C09}" type="datetimeFigureOut">
               <a:rPr lang="en-US" smtClean="0"/>
               <a:pPr/>
-              <a:t>3/11/2018</a:t>
+              <a:t>3/25/2018</a:t>
             </a:fld>
             <a:endParaRPr lang="en-US"/>
           </a:p>
@@ -1789,7 +1789,7 @@
             <a:fld id="{1D8BD707-D9CF-40AE-B4C6-C98DA3205C09}" type="datetimeFigureOut">
               <a:rPr lang="en-US" smtClean="0"/>
               <a:pPr/>
-              <a:t>3/11/2018</a:t>
+              <a:t>3/25/2018</a:t>
             </a:fld>
             <a:endParaRPr lang="en-US"/>
           </a:p>
@@ -1904,7 +1904,7 @@
             <a:fld id="{1D8BD707-D9CF-40AE-B4C6-C98DA3205C09}" type="datetimeFigureOut">
               <a:rPr lang="en-US" smtClean="0"/>
               <a:pPr/>
-              <a:t>3/11/2018</a:t>
+              <a:t>3/25/2018</a:t>
             </a:fld>
             <a:endParaRPr lang="en-US"/>
           </a:p>
@@ -1996,7 +1996,7 @@
             <a:fld id="{1D8BD707-D9CF-40AE-B4C6-C98DA3205C09}" type="datetimeFigureOut">
               <a:rPr lang="en-US" smtClean="0"/>
               <a:pPr/>
-              <a:t>3/11/2018</a:t>
+              <a:t>3/25/2018</a:t>
             </a:fld>
             <a:endParaRPr lang="en-US"/>
           </a:p>
@@ -2270,7 +2270,7 @@
             <a:fld id="{1D8BD707-D9CF-40AE-B4C6-C98DA3205C09}" type="datetimeFigureOut">
               <a:rPr lang="en-US" smtClean="0"/>
               <a:pPr/>
-              <a:t>3/11/2018</a:t>
+              <a:t>3/25/2018</a:t>
             </a:fld>
             <a:endParaRPr lang="en-US"/>
           </a:p>
@@ -2520,7 +2520,7 @@
             <a:fld id="{1D8BD707-D9CF-40AE-B4C6-C98DA3205C09}" type="datetimeFigureOut">
               <a:rPr lang="en-US" smtClean="0"/>
               <a:pPr/>
-              <a:t>3/11/2018</a:t>
+              <a:t>3/25/2018</a:t>
             </a:fld>
             <a:endParaRPr lang="en-US"/>
           </a:p>
@@ -2730,7 +2730,7 @@
             <a:fld id="{1D8BD707-D9CF-40AE-B4C6-C98DA3205C09}" type="datetimeFigureOut">
               <a:rPr lang="en-US" smtClean="0"/>
               <a:pPr/>
-              <a:t>3/11/2018</a:t>
+              <a:t>3/25/2018</a:t>
             </a:fld>
             <a:endParaRPr lang="en-US"/>
           </a:p>
@@ -5766,8 +5766,53 @@
             </a:br>
             <a:r>
               <a:rPr lang="en-US" dirty="0" smtClean="0"/>
-              <a:t> https://goo.gl/7UWnmw</a:t>
-            </a:r>
+              <a:t> </a:t>
+            </a:r>
+            <a:r>
+              <a:rPr lang="en-US" dirty="0" smtClean="0">
+                <a:hlinkClick r:id="rId2"/>
+              </a:rPr>
+              <a:t>https://</a:t>
+            </a:r>
+            <a:r>
+              <a:rPr lang="en-US" dirty="0" smtClean="0">
+                <a:hlinkClick r:id="rId2"/>
+              </a:rPr>
+              <a:t>goo.gl/7UWnmw</a:t>
+            </a:r>
+            <a:endParaRPr lang="en-US" dirty="0" smtClean="0"/>
+          </a:p>
+          <a:p>
+            <a:pPr algn="l">
+              <a:buFont typeface="Arial" pitchFamily="34" charset="0"/>
+              <a:buChar char="•"/>
+            </a:pPr>
+            <a:r>
+              <a:rPr lang="en-US" smtClean="0">
+                <a:hlinkClick r:id="rId3"/>
+              </a:rPr>
+              <a:t>https</a:t>
+            </a:r>
+            <a:r>
+              <a:rPr lang="en-US" smtClean="0">
+                <a:hlinkClick r:id="rId3"/>
+              </a:rPr>
+              <a:t>://</a:t>
+            </a:r>
+            <a:r>
+              <a:rPr lang="en-US" smtClean="0">
+                <a:hlinkClick r:id="rId3"/>
+              </a:rPr>
+              <a:t>goo.gl/obYMqJ</a:t>
+            </a:r>
+            <a:endParaRPr lang="en-US" smtClean="0"/>
+          </a:p>
+          <a:p>
+            <a:pPr algn="l">
+              <a:buFont typeface="Arial" pitchFamily="34" charset="0"/>
+              <a:buChar char="•"/>
+            </a:pPr>
+            <a:endParaRPr lang="en-US" dirty="0" smtClean="0"/>
           </a:p>
         </p:txBody>
       </p:sp>
@@ -5861,7 +5906,6 @@
               <a:rPr lang="en-US" dirty="0" smtClean="0"/>
               <a:t> Stubs</a:t>
             </a:r>
-            <a:endParaRPr lang="en-US" dirty="0" smtClean="0"/>
           </a:p>
           <a:p>
             <a:pPr algn="l">
@@ -5881,10 +5925,6 @@
             <a:r>
               <a:rPr lang="en-US" dirty="0" smtClean="0"/>
               <a:t>Mock</a:t>
-            </a:r>
-            <a:r>
-              <a:rPr lang="en-US" dirty="0" smtClean="0"/>
-              <a:t/>
             </a:r>
             <a:br>
               <a:rPr lang="en-US" dirty="0" smtClean="0"/>
@@ -6016,13 +6056,8 @@
             </a:pPr>
             <a:r>
               <a:rPr lang="en-US" dirty="0" smtClean="0"/>
-              <a:t> </a:t>
-            </a:r>
-            <a:r>
-              <a:rPr lang="en-US" dirty="0" smtClean="0"/>
-              <a:t>Stubs</a:t>
-            </a:r>
-            <a:endParaRPr lang="en-US" dirty="0" smtClean="0"/>
+              <a:t> Stubs</a:t>
+            </a:r>
           </a:p>
           <a:p>
             <a:pPr algn="l">
@@ -6062,10 +6097,6 @@
             <a:r>
               <a:rPr lang="en-US" dirty="0" smtClean="0"/>
               <a:t>Help in providing state based verification </a:t>
-            </a:r>
-            <a:r>
-              <a:rPr lang="en-US" dirty="0" smtClean="0"/>
-              <a:t/>
             </a:r>
             <a:br>
               <a:rPr lang="en-US" dirty="0" smtClean="0"/>
@@ -6199,7 +6230,6 @@
               <a:rPr lang="en-US" dirty="0" smtClean="0"/>
               <a:t> Fake</a:t>
             </a:r>
-            <a:endParaRPr lang="en-US" dirty="0" smtClean="0"/>
           </a:p>
           <a:p>
             <a:pPr algn="l">
@@ -6210,7 +6240,6 @@
               <a:rPr lang="en-US" dirty="0" smtClean="0"/>
               <a:t>More advance then stub</a:t>
             </a:r>
-            <a:endParaRPr lang="en-US" dirty="0" smtClean="0"/>
           </a:p>
           <a:p>
             <a:pPr algn="l">
@@ -6238,10 +6267,6 @@
             <a:r>
               <a:rPr lang="en-US" dirty="0" smtClean="0"/>
               <a:t> / Local mongo instance of testing</a:t>
-            </a:r>
-            <a:r>
-              <a:rPr lang="en-US" dirty="0" smtClean="0"/>
-              <a:t/>
             </a:r>
             <a:br>
               <a:rPr lang="en-US" dirty="0" smtClean="0"/>
@@ -6375,7 +6400,6 @@
               <a:rPr lang="en-US" dirty="0" smtClean="0"/>
               <a:t> Fake</a:t>
             </a:r>
-            <a:endParaRPr lang="en-US" dirty="0" smtClean="0"/>
           </a:p>
           <a:p>
             <a:pPr algn="l">
@@ -6415,10 +6439,6 @@
             <a:r>
               <a:rPr lang="en-US" dirty="0" smtClean="0"/>
               <a:t>Assertion is made by Mock</a:t>
-            </a:r>
-            <a:r>
-              <a:rPr lang="en-US" dirty="0" smtClean="0"/>
-              <a:t/>
             </a:r>
             <a:br>
               <a:rPr lang="en-US" dirty="0" smtClean="0"/>
@@ -8303,13 +8323,8 @@
             </a:pPr>
             <a:r>
               <a:rPr lang="en-US" dirty="0" smtClean="0"/>
-              <a:t> </a:t>
-            </a:r>
-            <a:r>
-              <a:rPr lang="en-US" dirty="0" smtClean="0"/>
-              <a:t>(F)IRST</a:t>
-            </a:r>
-            <a:endParaRPr lang="en-US" dirty="0" smtClean="0"/>
+              <a:t> (F)IRST</a:t>
+            </a:r>
           </a:p>
           <a:p>
             <a:pPr algn="l">
@@ -8350,7 +8365,6 @@
               <a:rPr lang="en-US" dirty="0" smtClean="0"/>
               <a:t>FI(R)ST</a:t>
             </a:r>
-            <a:endParaRPr lang="en-US" dirty="0" smtClean="0"/>
           </a:p>
           <a:p>
             <a:pPr algn="l">
@@ -8371,7 +8385,6 @@
               <a:rPr lang="en-US" dirty="0" smtClean="0"/>
               <a:t>FIR(S)T</a:t>
             </a:r>
-            <a:endParaRPr lang="en-US" dirty="0" smtClean="0"/>
           </a:p>
           <a:p>
             <a:pPr algn="l">
@@ -8401,10 +8414,6 @@
             <a:r>
               <a:rPr lang="en-US" dirty="0" smtClean="0"/>
               <a:t>Test Should be written before code</a:t>
-            </a:r>
-            <a:r>
-              <a:rPr lang="en-US" dirty="0" smtClean="0"/>
-              <a:t/>
             </a:r>
             <a:br>
               <a:rPr lang="en-US" dirty="0" smtClean="0"/>
@@ -8536,11 +8545,7 @@
             </a:pPr>
             <a:r>
               <a:rPr lang="en-US" dirty="0" smtClean="0"/>
-              <a:t> </a:t>
-            </a:r>
-            <a:r>
-              <a:rPr lang="en-US" dirty="0" smtClean="0"/>
-              <a:t>The Singleton</a:t>
+              <a:t> The Singleton</a:t>
             </a:r>
           </a:p>
           <a:p>
@@ -8732,11 +8737,7 @@
             </a:pPr>
             <a:r>
               <a:rPr lang="en-US" dirty="0" smtClean="0"/>
-              <a:t> </a:t>
-            </a:r>
-            <a:r>
-              <a:rPr lang="en-US" dirty="0" smtClean="0"/>
-              <a:t>The Singleton</a:t>
+              <a:t> The Singleton</a:t>
             </a:r>
           </a:p>
           <a:p>
@@ -8777,10 +8778,6 @@
             <a:r>
               <a:rPr lang="en-US" dirty="0" smtClean="0"/>
               <a:t>Use Interface in place of Singleton</a:t>
-            </a:r>
-            <a:r>
-              <a:rPr lang="en-US" dirty="0" smtClean="0"/>
-              <a:t/>
             </a:r>
             <a:br>
               <a:rPr lang="en-US" dirty="0" smtClean="0"/>
@@ -8912,30 +8909,17 @@
             </a:pPr>
             <a:r>
               <a:rPr lang="en-US" dirty="0" smtClean="0"/>
-              <a:t> </a:t>
-            </a:r>
-            <a:r>
-              <a:rPr lang="en-US" dirty="0" smtClean="0"/>
-              <a:t>Create The </a:t>
-            </a:r>
-            <a:r>
-              <a:rPr lang="en-US" dirty="0" smtClean="0"/>
-              <a:t>World</a:t>
-            </a:r>
-            <a:endParaRPr lang="en-US" dirty="0" smtClean="0"/>
-          </a:p>
-          <a:p>
-            <a:pPr algn="l">
-              <a:buFont typeface="Arial" pitchFamily="34" charset="0"/>
-              <a:buChar char="•"/>
-            </a:pPr>
-            <a:r>
-              <a:rPr lang="en-US" dirty="0" smtClean="0"/>
-              <a:t> </a:t>
-            </a:r>
-            <a:r>
-              <a:rPr lang="en-US" dirty="0" smtClean="0"/>
-              <a:t>When test Need lot of </a:t>
+              <a:t> Create The World</a:t>
+            </a:r>
+          </a:p>
+          <a:p>
+            <a:pPr algn="l">
+              <a:buFont typeface="Arial" pitchFamily="34" charset="0"/>
+              <a:buChar char="•"/>
+            </a:pPr>
+            <a:r>
+              <a:rPr lang="en-US" dirty="0" smtClean="0"/>
+              <a:t> When test Need lot of </a:t>
             </a:r>
             <a:r>
               <a:rPr lang="en-US" dirty="0" err="1" smtClean="0"/>
@@ -9268,10 +9252,6 @@
               <a:rPr lang="en-US" dirty="0" smtClean="0"/>
               <a:t>It just checks the flow of mock</a:t>
             </a:r>
-            <a:r>
-              <a:rPr lang="en-US" dirty="0" smtClean="0"/>
-              <a:t/>
-            </a:r>
             <a:br>
               <a:rPr lang="en-US" dirty="0" smtClean="0"/>
             </a:br>
@@ -9450,10 +9430,6 @@
               <a:rPr lang="en-US" dirty="0" smtClean="0"/>
               <a:t> </a:t>
             </a:r>
-            <a:r>
-              <a:rPr lang="en-US" dirty="0" smtClean="0"/>
-              <a:t/>
-            </a:r>
             <a:br>
               <a:rPr lang="en-US" dirty="0" smtClean="0"/>
             </a:br>
@@ -9584,11 +9560,7 @@
             </a:pPr>
             <a:r>
               <a:rPr lang="en-US" dirty="0" smtClean="0"/>
-              <a:t> </a:t>
-            </a:r>
-            <a:r>
-              <a:rPr lang="en-US" dirty="0" smtClean="0"/>
-              <a:t>One Big test</a:t>
+              <a:t> One Big test</a:t>
             </a:r>
           </a:p>
           <a:p>
@@ -9619,10 +9591,6 @@
             <a:r>
               <a:rPr lang="en-US" dirty="0" smtClean="0"/>
               <a:t>It become bigger and bigger</a:t>
-            </a:r>
-            <a:r>
-              <a:rPr lang="en-US" dirty="0" smtClean="0"/>
-              <a:t/>
             </a:r>
             <a:br>
               <a:rPr lang="en-US" dirty="0" smtClean="0"/>
@@ -9779,15 +9747,7 @@
             </a:pPr>
             <a:r>
               <a:rPr lang="en-US" dirty="0" smtClean="0"/>
-              <a:t>Not keeping </a:t>
-            </a:r>
-            <a:r>
-              <a:rPr lang="en-US" dirty="0" smtClean="0"/>
-              <a:t>code in good shape</a:t>
-            </a:r>
-            <a:r>
-              <a:rPr lang="en-US" dirty="0" smtClean="0"/>
-              <a:t/>
+              <a:t>Not keeping code in good shape</a:t>
             </a:r>
             <a:br>
               <a:rPr lang="en-US" dirty="0" smtClean="0"/>
